--- a/defensepresentation/MSc thesis defense Heleen Brüggen 6474292.pptx
+++ b/defensepresentation/MSc thesis defense Heleen Brüggen 6474292.pptx
@@ -1730,7 +1730,11 @@
           <dgm:bulletEnabled val="1"/>
         </dgm:presLayoutVars>
       </dgm:prSet>
-      <dgm:spPr/>
+      <dgm:spPr>
+        <a:prstGeom prst="roundRect">
+          <a:avLst/>
+        </a:prstGeom>
+      </dgm:spPr>
     </dgm:pt>
   </dgm:ptLst>
   <dgm:cxnLst>
@@ -2073,10 +2077,10 @@
       </dsp:nvSpPr>
       <dsp:spPr>
         <a:xfrm rot="16200000">
-          <a:off x="5533227" y="-4480568"/>
-          <a:ext cx="4828809" cy="14551719"/>
+          <a:off x="5533227" y="-4487680"/>
+          <a:ext cx="4828809" cy="14565943"/>
         </a:xfrm>
-        <a:prstGeom prst="flowChartManualOperation">
+        <a:prstGeom prst="roundRect">
           <a:avLst/>
         </a:prstGeom>
         <a:solidFill>
@@ -2146,8 +2150,8 @@
         </a:p>
       </dsp:txBody>
       <dsp:txXfrm rot="5400000">
-        <a:off x="671772" y="1346649"/>
-        <a:ext cx="14551719" cy="2897285"/>
+        <a:off x="900383" y="616610"/>
+        <a:ext cx="14094497" cy="4357363"/>
       </dsp:txXfrm>
     </dsp:sp>
   </dsp:spTree>
@@ -6147,7 +6151,7 @@
           <a:p>
             <a:fld id="{B7268E1E-0E44-426D-905E-8AD9B19D2182}" type="datetimeFigureOut">
               <a:rPr lang="cs-CZ" smtClean="0"/>
-              <a:t>24.05.2024</a:t>
+              <a:t>26.05.2024</a:t>
             </a:fld>
             <a:endParaRPr lang="cs-CZ"/>
           </a:p>
@@ -6554,20 +6558,28 @@
           <a:lstStyle/>
           <a:p>
             <a:r>
-              <a:rPr lang="en-US"/>
+              <a:rPr lang="en-US" dirty="0"/>
               <a:t>Introduce thesis: </a:t>
             </a:r>
           </a:p>
           <a:p>
             <a:r>
-              <a:rPr lang="en-US"/>
+              <a:rPr lang="en-US" dirty="0"/>
               <a:t>- Multilevel MICE through BART </a:t>
             </a:r>
           </a:p>
           <a:p>
             <a:r>
-              <a:rPr lang="en-US"/>
-              <a:t>- BART --&gt; non-parametirc sum-of-regression-trees model </a:t>
+              <a:rPr lang="en-US" dirty="0"/>
+              <a:t>- BART --&gt; non-</a:t>
+            </a:r>
+            <a:r>
+              <a:rPr lang="en-US" dirty="0" err="1"/>
+              <a:t>parametirc</a:t>
+            </a:r>
+            <a:r>
+              <a:rPr lang="en-US" dirty="0"/>
+              <a:t> sum-of-regression-trees model </a:t>
             </a:r>
           </a:p>
         </p:txBody>
@@ -7238,8 +7250,8 @@
         </p:nvSpPr>
         <p:spPr>
           <a:xfrm>
-            <a:off x="2857500" y="512763"/>
-            <a:ext cx="3429000" cy="2566987"/>
+            <a:off x="2290763" y="512763"/>
+            <a:ext cx="4562475" cy="2566987"/>
           </a:xfrm>
           <a:prstGeom prst="rect">
             <a:avLst/>
@@ -7498,8 +7510,8 @@
         </p:nvSpPr>
         <p:spPr>
           <a:xfrm>
-            <a:off x="2857500" y="512763"/>
-            <a:ext cx="3429000" cy="2566987"/>
+            <a:off x="2290763" y="512763"/>
+            <a:ext cx="4562475" cy="2566987"/>
           </a:xfrm>
           <a:prstGeom prst="rect">
             <a:avLst/>
@@ -7761,130 +7773,138 @@
           <a:lstStyle/>
           <a:p>
             <a:r>
-              <a:rPr lang="en-US"/>
+              <a:rPr lang="en-US" dirty="0"/>
               <a:t>data generating mechanism:</a:t>
             </a:r>
           </a:p>
           <a:p>
             <a:r>
-              <a:rPr lang="en-US"/>
-              <a:t>- 7  level-2</a:t>
+              <a:rPr lang="en-US" dirty="0"/>
+              <a:t>- 7  level-1</a:t>
             </a:r>
           </a:p>
           <a:p>
             <a:r>
-              <a:rPr lang="en-US"/>
+              <a:rPr lang="en-US" dirty="0"/>
               <a:t>- 2 level-2 </a:t>
             </a:r>
           </a:p>
           <a:p>
             <a:r>
-              <a:rPr lang="en-US"/>
+              <a:rPr lang="en-US" dirty="0"/>
               <a:t>- cross-level interactions </a:t>
             </a:r>
           </a:p>
           <a:p>
             <a:r>
-              <a:rPr lang="en-US"/>
+              <a:rPr lang="en-US" dirty="0"/>
               <a:t>- random intercept</a:t>
             </a:r>
           </a:p>
           <a:p>
             <a:r>
-              <a:rPr lang="en-US"/>
+              <a:rPr lang="en-US" dirty="0"/>
               <a:t>- 3 random slopes </a:t>
             </a:r>
           </a:p>
           <a:p>
             <a:r>
-              <a:rPr lang="en-US"/>
+              <a:rPr lang="en-US" dirty="0"/>
               <a:t>- residual variance </a:t>
             </a:r>
           </a:p>
           <a:p>
-            <a:endParaRPr lang="en-US"/>
+            <a:endParaRPr lang="en-US" dirty="0"/>
           </a:p>
           <a:p>
             <a:r>
-              <a:rPr lang="en-US"/>
+              <a:rPr lang="en-US" dirty="0"/>
               <a:t>simulation design:  </a:t>
             </a:r>
           </a:p>
           <a:p>
             <a:r>
-              <a:rPr lang="en-US"/>
+              <a:rPr lang="en-US" dirty="0"/>
               <a:t>- 30/50 groups </a:t>
             </a:r>
           </a:p>
           <a:p>
             <a:r>
-              <a:rPr lang="en-US"/>
-              <a:t>- 15/50 groupsize </a:t>
+              <a:rPr lang="en-US" dirty="0"/>
+              <a:t>- 15/50 </a:t>
             </a:r>
-          </a:p>
-          <a:p>
             <a:r>
-              <a:rPr lang="en-US"/>
+              <a:rPr lang="en-US" dirty="0" err="1"/>
+              <a:t>groupsize</a:t>
+            </a:r>
+            <a:r>
+              <a:rPr lang="en-US" dirty="0"/>
+              <a:t> </a:t>
+            </a:r>
+          </a:p>
+          <a:p>
+            <a:r>
+              <a:rPr lang="en-US" dirty="0"/>
               <a:t>- 0% or 50% missing </a:t>
             </a:r>
           </a:p>
           <a:p>
             <a:r>
-              <a:rPr lang="en-US"/>
+              <a:rPr lang="en-US" dirty="0"/>
               <a:t>- MCAR or MAR </a:t>
             </a:r>
           </a:p>
           <a:p>
             <a:r>
-              <a:rPr lang="en-US"/>
+              <a:rPr lang="en-US" dirty="0"/>
               <a:t>- .5 ICC </a:t>
             </a:r>
           </a:p>
           <a:p>
             <a:r>
-              <a:rPr lang="en-US"/>
+              <a:rPr lang="en-US" dirty="0"/>
               <a:t>- 100 data sets</a:t>
             </a:r>
           </a:p>
           <a:p>
-            <a:endParaRPr lang="en-US"/>
+            <a:endParaRPr lang="en-US" dirty="0"/>
           </a:p>
           <a:p>
             <a:r>
-              <a:rPr lang="en-US"/>
+              <a:rPr lang="en-US" dirty="0"/>
               <a:t>missing data generation: </a:t>
             </a:r>
           </a:p>
           <a:p>
             <a:r>
-              <a:rPr lang="en-US"/>
+              <a:rPr lang="en-US" dirty="0"/>
               <a:t>- 50% --&gt; 50% of people had one to 5 missing values</a:t>
             </a:r>
           </a:p>
           <a:p>
-            <a:endParaRPr lang="en-US"/>
+            <a:endParaRPr lang="en-US" dirty="0"/>
           </a:p>
           <a:p>
             <a:r>
-              <a:rPr lang="en-US"/>
+              <a:rPr lang="en-US" dirty="0"/>
               <a:t>evaluation: </a:t>
             </a:r>
           </a:p>
           <a:p>
             <a:r>
-              <a:rPr lang="en-US"/>
+              <a:rPr lang="en-US" dirty="0"/>
               <a:t>- absolute bias </a:t>
             </a:r>
           </a:p>
           <a:p>
             <a:r>
-              <a:rPr lang="en-US"/>
+              <a:rPr lang="en-US" dirty="0"/>
               <a:t>- coverage</a:t>
             </a:r>
           </a:p>
           <a:p>
             <a:r>
-              <a:rPr lang="en-US"/>
+              <a:rPr lang="en-US" dirty="0"/>
               <a:t>- confidence interval width</a:t>
             </a:r>
           </a:p>
@@ -8102,34 +8122,34 @@
           <a:lstStyle/>
           <a:p>
             <a:r>
-              <a:rPr lang="en-US"/>
+              <a:rPr lang="en-US" dirty="0"/>
               <a:t>Limitations: </a:t>
             </a:r>
           </a:p>
           <a:p>
-            <a:endParaRPr lang="en-US"/>
+            <a:endParaRPr lang="en-US" dirty="0"/>
           </a:p>
           <a:p>
             <a:r>
-              <a:rPr lang="en-US"/>
+              <a:rPr lang="en-US" dirty="0"/>
               <a:t>- Amount of repetitions: only 100 data sets --&gt;  95% confidence interval coverage estimates are variable</a:t>
             </a:r>
           </a:p>
           <a:p>
-            <a:endParaRPr lang="en-US"/>
+            <a:endParaRPr lang="en-US" dirty="0"/>
           </a:p>
           <a:p>
             <a:r>
-              <a:rPr lang="en-US"/>
+              <a:rPr lang="en-US" dirty="0"/>
               <a:t>- listwise deletion seemed to suggest a special case was generated --&gt; methods were not evaluated with a strong MAR mechanism</a:t>
             </a:r>
           </a:p>
           <a:p>
-            <a:endParaRPr lang="en-US"/>
+            <a:endParaRPr lang="en-US" dirty="0"/>
           </a:p>
           <a:p>
             <a:r>
-              <a:rPr lang="en-US"/>
+              <a:rPr lang="en-US" dirty="0"/>
               <a:t>- ICC was only .5, amount of missingness only 50%, and limited number of groups and their sizes</a:t>
             </a:r>
           </a:p>
@@ -8393,7 +8413,7 @@
             <a:fld id="{1D8BD707-D9CF-40AE-B4C6-C98DA3205C09}" type="datetimeFigureOut">
               <a:rPr lang="en-US" smtClean="0"/>
               <a:pPr/>
-              <a:t>5/24/24</a:t>
+              <a:t>5/26/24</a:t>
             </a:fld>
             <a:endParaRPr lang="en-US"/>
           </a:p>
@@ -8558,7 +8578,7 @@
             <a:fld id="{1D8BD707-D9CF-40AE-B4C6-C98DA3205C09}" type="datetimeFigureOut">
               <a:rPr lang="en-US" smtClean="0"/>
               <a:pPr/>
-              <a:t>5/24/24</a:t>
+              <a:t>5/26/24</a:t>
             </a:fld>
             <a:endParaRPr lang="en-US"/>
           </a:p>
@@ -8733,7 +8753,7 @@
             <a:fld id="{1D8BD707-D9CF-40AE-B4C6-C98DA3205C09}" type="datetimeFigureOut">
               <a:rPr lang="en-US" smtClean="0"/>
               <a:pPr/>
-              <a:t>5/24/24</a:t>
+              <a:t>5/26/24</a:t>
             </a:fld>
             <a:endParaRPr lang="en-US"/>
           </a:p>
@@ -8898,7 +8918,7 @@
             <a:fld id="{1D8BD707-D9CF-40AE-B4C6-C98DA3205C09}" type="datetimeFigureOut">
               <a:rPr lang="en-US" smtClean="0"/>
               <a:pPr/>
-              <a:t>5/24/24</a:t>
+              <a:t>5/26/24</a:t>
             </a:fld>
             <a:endParaRPr lang="en-US"/>
           </a:p>
@@ -9140,7 +9160,7 @@
             <a:fld id="{1D8BD707-D9CF-40AE-B4C6-C98DA3205C09}" type="datetimeFigureOut">
               <a:rPr lang="en-US" smtClean="0"/>
               <a:pPr/>
-              <a:t>5/24/24</a:t>
+              <a:t>5/26/24</a:t>
             </a:fld>
             <a:endParaRPr lang="en-US"/>
           </a:p>
@@ -9422,7 +9442,7 @@
             <a:fld id="{1D8BD707-D9CF-40AE-B4C6-C98DA3205C09}" type="datetimeFigureOut">
               <a:rPr lang="en-US" smtClean="0"/>
               <a:pPr/>
-              <a:t>5/24/24</a:t>
+              <a:t>5/26/24</a:t>
             </a:fld>
             <a:endParaRPr lang="en-US"/>
           </a:p>
@@ -9838,7 +9858,7 @@
             <a:fld id="{1D8BD707-D9CF-40AE-B4C6-C98DA3205C09}" type="datetimeFigureOut">
               <a:rPr lang="en-US" smtClean="0"/>
               <a:pPr/>
-              <a:t>5/24/24</a:t>
+              <a:t>5/26/24</a:t>
             </a:fld>
             <a:endParaRPr lang="en-US"/>
           </a:p>
@@ -9952,7 +9972,7 @@
             <a:fld id="{1D8BD707-D9CF-40AE-B4C6-C98DA3205C09}" type="datetimeFigureOut">
               <a:rPr lang="en-US" smtClean="0"/>
               <a:pPr/>
-              <a:t>5/24/24</a:t>
+              <a:t>5/26/24</a:t>
             </a:fld>
             <a:endParaRPr lang="en-US"/>
           </a:p>
@@ -10044,7 +10064,7 @@
             <a:fld id="{1D8BD707-D9CF-40AE-B4C6-C98DA3205C09}" type="datetimeFigureOut">
               <a:rPr lang="en-US" smtClean="0"/>
               <a:pPr/>
-              <a:t>5/24/24</a:t>
+              <a:t>5/26/24</a:t>
             </a:fld>
             <a:endParaRPr lang="en-US"/>
           </a:p>
@@ -10316,7 +10336,7 @@
             <a:fld id="{1D8BD707-D9CF-40AE-B4C6-C98DA3205C09}" type="datetimeFigureOut">
               <a:rPr lang="en-US" smtClean="0"/>
               <a:pPr/>
-              <a:t>5/24/24</a:t>
+              <a:t>5/26/24</a:t>
             </a:fld>
             <a:endParaRPr lang="en-US"/>
           </a:p>
@@ -10565,7 +10585,7 @@
             <a:fld id="{1D8BD707-D9CF-40AE-B4C6-C98DA3205C09}" type="datetimeFigureOut">
               <a:rPr lang="en-US" smtClean="0"/>
               <a:pPr/>
-              <a:t>5/24/24</a:t>
+              <a:t>5/26/24</a:t>
             </a:fld>
             <a:endParaRPr lang="en-US"/>
           </a:p>
@@ -10773,7 +10793,7 @@
             <a:fld id="{1D8BD707-D9CF-40AE-B4C6-C98DA3205C09}" type="datetimeFigureOut">
               <a:rPr lang="en-US" smtClean="0"/>
               <a:pPr/>
-              <a:t>5/24/24</a:t>
+              <a:t>5/26/24</a:t>
             </a:fld>
             <a:endParaRPr lang="en-US"/>
           </a:p>
@@ -12478,7 +12498,7 @@
           <p:nvPr>
             <p:extLst>
               <p:ext uri="{D42A27DB-BD31-4B8C-83A1-F6EECF244321}">
-                <p14:modId xmlns:p14="http://schemas.microsoft.com/office/powerpoint/2010/main" val="3518161122"/>
+                <p14:modId xmlns:p14="http://schemas.microsoft.com/office/powerpoint/2010/main" val="3321149145"/>
               </p:ext>
             </p:extLst>
           </p:nvPr>
@@ -12746,124 +12766,24 @@
       </p:sp>
       <p:grpSp>
         <p:nvGrpSpPr>
-          <p:cNvPr id="6" name="Group 6"/>
+          <p:cNvPr id="15" name="Groep 14">
+            <a:extLst>
+              <a:ext uri="{FF2B5EF4-FFF2-40B4-BE49-F238E27FC236}">
+                <a16:creationId xmlns:a16="http://schemas.microsoft.com/office/drawing/2014/main" id="{6A629A05-7B9B-5439-C265-EAC9C70095D1}"/>
+              </a:ext>
+            </a:extLst>
+          </p:cNvPr>
           <p:cNvGrpSpPr/>
           <p:nvPr/>
         </p:nvGrpSpPr>
         <p:grpSpPr>
           <a:xfrm>
-            <a:off x="285898" y="1388617"/>
-            <a:ext cx="11625176" cy="8898383"/>
-            <a:chOff x="0" y="0"/>
-            <a:chExt cx="15500235" cy="11864510"/>
+            <a:off x="285898" y="1360042"/>
+            <a:ext cx="10686902" cy="8926958"/>
+            <a:chOff x="285898" y="1360042"/>
+            <a:chExt cx="10281046" cy="8444211"/>
           </a:xfrm>
         </p:grpSpPr>
-        <p:sp>
-          <p:nvSpPr>
-            <p:cNvPr id="7" name="Freeform 7"/>
-            <p:cNvSpPr/>
-            <p:nvPr/>
-          </p:nvSpPr>
-          <p:spPr>
-            <a:xfrm>
-              <a:off x="0" y="5128367"/>
-              <a:ext cx="15500235" cy="6736144"/>
-            </a:xfrm>
-            <a:custGeom>
-              <a:avLst/>
-              <a:gdLst/>
-              <a:ahLst/>
-              <a:cxnLst/>
-              <a:rect l="l" t="t" r="r" b="b"/>
-              <a:pathLst>
-                <a:path w="15500235" h="6736144">
-                  <a:moveTo>
-                    <a:pt x="0" y="0"/>
-                  </a:moveTo>
-                  <a:lnTo>
-                    <a:pt x="15500235" y="0"/>
-                  </a:lnTo>
-                  <a:lnTo>
-                    <a:pt x="15500235" y="6736143"/>
-                  </a:lnTo>
-                  <a:lnTo>
-                    <a:pt x="0" y="6736143"/>
-                  </a:lnTo>
-                  <a:lnTo>
-                    <a:pt x="0" y="0"/>
-                  </a:lnTo>
-                  <a:close/>
-                </a:path>
-              </a:pathLst>
-            </a:custGeom>
-            <a:blipFill>
-              <a:blip r:embed="rId9"/>
-              <a:stretch>
-                <a:fillRect/>
-              </a:stretch>
-            </a:blipFill>
-          </p:spPr>
-          <p:txBody>
-            <a:bodyPr/>
-            <a:lstStyle/>
-            <a:p>
-              <a:endParaRPr lang="nl-NL"/>
-            </a:p>
-          </p:txBody>
-        </p:sp>
-        <p:sp>
-          <p:nvSpPr>
-            <p:cNvPr id="8" name="Freeform 8"/>
-            <p:cNvSpPr/>
-            <p:nvPr/>
-          </p:nvSpPr>
-          <p:spPr>
-            <a:xfrm>
-              <a:off x="0" y="512531"/>
-              <a:ext cx="15500235" cy="4103276"/>
-            </a:xfrm>
-            <a:custGeom>
-              <a:avLst/>
-              <a:gdLst/>
-              <a:ahLst/>
-              <a:cxnLst/>
-              <a:rect l="l" t="t" r="r" b="b"/>
-              <a:pathLst>
-                <a:path w="15500235" h="4103276">
-                  <a:moveTo>
-                    <a:pt x="0" y="0"/>
-                  </a:moveTo>
-                  <a:lnTo>
-                    <a:pt x="15500235" y="0"/>
-                  </a:lnTo>
-                  <a:lnTo>
-                    <a:pt x="15500235" y="4103276"/>
-                  </a:lnTo>
-                  <a:lnTo>
-                    <a:pt x="0" y="4103276"/>
-                  </a:lnTo>
-                  <a:lnTo>
-                    <a:pt x="0" y="0"/>
-                  </a:lnTo>
-                  <a:close/>
-                </a:path>
-              </a:pathLst>
-            </a:custGeom>
-            <a:blipFill>
-              <a:blip r:embed="rId10"/>
-              <a:stretch>
-                <a:fillRect b="-47638"/>
-              </a:stretch>
-            </a:blipFill>
-          </p:spPr>
-          <p:txBody>
-            <a:bodyPr/>
-            <a:lstStyle/>
-            <a:p>
-              <a:endParaRPr lang="nl-NL"/>
-            </a:p>
-          </p:txBody>
-        </p:sp>
         <p:sp>
           <p:nvSpPr>
             <p:cNvPr id="9" name="TextBox 9"/>
@@ -12872,8 +12792,8 @@
           </p:nvSpPr>
           <p:spPr>
             <a:xfrm>
-              <a:off x="884030" y="-38100"/>
-              <a:ext cx="7719624" cy="550631"/>
+              <a:off x="948920" y="1360042"/>
+              <a:ext cx="5789718" cy="412973"/>
             </a:xfrm>
             <a:prstGeom prst="rect">
               <a:avLst/>
@@ -12913,8 +12833,8 @@
           </p:nvSpPr>
           <p:spPr>
             <a:xfrm>
-              <a:off x="884030" y="4577707"/>
-              <a:ext cx="7473658" cy="550660"/>
+              <a:off x="948920" y="4885915"/>
+              <a:ext cx="5605243" cy="412995"/>
             </a:xfrm>
             <a:prstGeom prst="rect">
               <a:avLst/>
@@ -12935,7 +12855,7 @@
                 </a:spcBef>
               </a:pPr>
               <a:r>
-                <a:rPr lang="en-US" sz="2565" u="sng" strike="noStrike">
+                <a:rPr lang="en-US" sz="2565" u="sng" strike="noStrike" dirty="0">
                   <a:solidFill>
                     <a:srgbClr val="000000"/>
                   </a:solidFill>
@@ -12946,6 +12866,77 @@
             </a:p>
           </p:txBody>
         </p:sp>
+        <p:pic>
+          <p:nvPicPr>
+            <p:cNvPr id="12" name="Afbeelding 11" descr="Afbeelding met schermopname, lijn&#10;&#10;Automatisch gegenereerde beschrijving">
+              <a:extLst>
+                <a:ext uri="{FF2B5EF4-FFF2-40B4-BE49-F238E27FC236}">
+                  <a16:creationId xmlns:a16="http://schemas.microsoft.com/office/drawing/2014/main" id="{78A21C2E-1E1C-D12E-12C3-E238E55AF845}"/>
+                </a:ext>
+              </a:extLst>
+            </p:cNvPr>
+            <p:cNvPicPr>
+              <a:picLocks noChangeAspect="1"/>
+            </p:cNvPicPr>
+            <p:nvPr/>
+          </p:nvPicPr>
+          <p:blipFill rotWithShape="1">
+            <a:blip r:embed="rId9">
+              <a:extLst>
+                <a:ext uri="{28A0092B-C50C-407E-A947-70E740481C1C}">
+                  <a14:useLocalDpi xmlns:a14="http://schemas.microsoft.com/office/drawing/2010/main" val="0"/>
+                </a:ext>
+              </a:extLst>
+            </a:blip>
+            <a:srcRect b="23866"/>
+            <a:stretch/>
+          </p:blipFill>
+          <p:spPr>
+            <a:xfrm>
+              <a:off x="285898" y="1801612"/>
+              <a:ext cx="10281046" cy="3054000"/>
+            </a:xfrm>
+            <a:prstGeom prst="rect">
+              <a:avLst/>
+            </a:prstGeom>
+          </p:spPr>
+        </p:pic>
+        <p:pic>
+          <p:nvPicPr>
+            <p:cNvPr id="14" name="Afbeelding 13" descr="Afbeelding met schermopname, ruimte, zwart&#10;&#10;Automatisch gegenereerde beschrijving">
+              <a:extLst>
+                <a:ext uri="{FF2B5EF4-FFF2-40B4-BE49-F238E27FC236}">
+                  <a16:creationId xmlns:a16="http://schemas.microsoft.com/office/drawing/2014/main" id="{C301B896-20EC-1086-7331-29DC86ECD7F6}"/>
+                </a:ext>
+              </a:extLst>
+            </p:cNvPr>
+            <p:cNvPicPr>
+              <a:picLocks noChangeAspect="1"/>
+            </p:cNvPicPr>
+            <p:nvPr/>
+          </p:nvPicPr>
+          <p:blipFill>
+            <a:blip r:embed="rId10">
+              <a:extLst>
+                <a:ext uri="{28A0092B-C50C-407E-A947-70E740481C1C}">
+                  <a14:useLocalDpi xmlns:a14="http://schemas.microsoft.com/office/drawing/2010/main" val="0"/>
+                </a:ext>
+              </a:extLst>
+            </a:blip>
+            <a:stretch>
+              <a:fillRect/>
+            </a:stretch>
+          </p:blipFill>
+          <p:spPr>
+            <a:xfrm>
+              <a:off x="288090" y="5335873"/>
+              <a:ext cx="10278854" cy="4468380"/>
+            </a:xfrm>
+            <a:prstGeom prst="rect">
+              <a:avLst/>
+            </a:prstGeom>
+          </p:spPr>
+        </p:pic>
       </p:grpSp>
     </p:spTree>
   </p:cSld>
@@ -13200,124 +13191,24 @@
       </p:sp>
       <p:grpSp>
         <p:nvGrpSpPr>
-          <p:cNvPr id="6" name="Group 6"/>
+          <p:cNvPr id="15" name="Groep 14">
+            <a:extLst>
+              <a:ext uri="{FF2B5EF4-FFF2-40B4-BE49-F238E27FC236}">
+                <a16:creationId xmlns:a16="http://schemas.microsoft.com/office/drawing/2014/main" id="{D5929CDC-DDE2-232E-8C61-1F9A4FB7E986}"/>
+              </a:ext>
+            </a:extLst>
+          </p:cNvPr>
           <p:cNvGrpSpPr/>
           <p:nvPr/>
         </p:nvGrpSpPr>
         <p:grpSpPr>
           <a:xfrm>
-            <a:off x="285898" y="1388617"/>
-            <a:ext cx="11559196" cy="8945157"/>
-            <a:chOff x="0" y="0"/>
-            <a:chExt cx="15412261" cy="11926877"/>
+            <a:off x="285899" y="1360042"/>
+            <a:ext cx="10839301" cy="8926958"/>
+            <a:chOff x="285899" y="1360042"/>
+            <a:chExt cx="10470695" cy="8522705"/>
           </a:xfrm>
         </p:grpSpPr>
-        <p:sp>
-          <p:nvSpPr>
-            <p:cNvPr id="7" name="Freeform 7"/>
-            <p:cNvSpPr/>
-            <p:nvPr/>
-          </p:nvSpPr>
-          <p:spPr>
-            <a:xfrm>
-              <a:off x="0" y="5903251"/>
-              <a:ext cx="15412261" cy="6023625"/>
-            </a:xfrm>
-            <a:custGeom>
-              <a:avLst/>
-              <a:gdLst/>
-              <a:ahLst/>
-              <a:cxnLst/>
-              <a:rect l="l" t="t" r="r" b="b"/>
-              <a:pathLst>
-                <a:path w="15412261" h="6023625">
-                  <a:moveTo>
-                    <a:pt x="0" y="0"/>
-                  </a:moveTo>
-                  <a:lnTo>
-                    <a:pt x="15412261" y="0"/>
-                  </a:lnTo>
-                  <a:lnTo>
-                    <a:pt x="15412261" y="6023626"/>
-                  </a:lnTo>
-                  <a:lnTo>
-                    <a:pt x="0" y="6023626"/>
-                  </a:lnTo>
-                  <a:lnTo>
-                    <a:pt x="0" y="0"/>
-                  </a:lnTo>
-                  <a:close/>
-                </a:path>
-              </a:pathLst>
-            </a:custGeom>
-            <a:blipFill>
-              <a:blip r:embed="rId9"/>
-              <a:stretch>
-                <a:fillRect/>
-              </a:stretch>
-            </a:blipFill>
-          </p:spPr>
-          <p:txBody>
-            <a:bodyPr/>
-            <a:lstStyle/>
-            <a:p>
-              <a:endParaRPr lang="nl-NL"/>
-            </a:p>
-          </p:txBody>
-        </p:sp>
-        <p:sp>
-          <p:nvSpPr>
-            <p:cNvPr id="8" name="Freeform 8"/>
-            <p:cNvSpPr/>
-            <p:nvPr/>
-          </p:nvSpPr>
-          <p:spPr>
-            <a:xfrm>
-              <a:off x="0" y="639288"/>
-              <a:ext cx="15412261" cy="4751403"/>
-            </a:xfrm>
-            <a:custGeom>
-              <a:avLst/>
-              <a:gdLst/>
-              <a:ahLst/>
-              <a:cxnLst/>
-              <a:rect l="l" t="t" r="r" b="b"/>
-              <a:pathLst>
-                <a:path w="15412261" h="4751403">
-                  <a:moveTo>
-                    <a:pt x="0" y="0"/>
-                  </a:moveTo>
-                  <a:lnTo>
-                    <a:pt x="15412261" y="0"/>
-                  </a:lnTo>
-                  <a:lnTo>
-                    <a:pt x="15412261" y="4751404"/>
-                  </a:lnTo>
-                  <a:lnTo>
-                    <a:pt x="0" y="4751404"/>
-                  </a:lnTo>
-                  <a:lnTo>
-                    <a:pt x="0" y="0"/>
-                  </a:lnTo>
-                  <a:close/>
-                </a:path>
-              </a:pathLst>
-            </a:custGeom>
-            <a:blipFill>
-              <a:blip r:embed="rId10"/>
-              <a:stretch>
-                <a:fillRect b="-40967"/>
-              </a:stretch>
-            </a:blipFill>
-          </p:spPr>
-          <p:txBody>
-            <a:bodyPr/>
-            <a:lstStyle/>
-            <a:p>
-              <a:endParaRPr lang="nl-NL"/>
-            </a:p>
-          </p:txBody>
-        </p:sp>
         <p:sp>
           <p:nvSpPr>
             <p:cNvPr id="9" name="TextBox 9"/>
@@ -13326,8 +13217,8 @@
           </p:nvSpPr>
           <p:spPr>
             <a:xfrm>
-              <a:off x="884030" y="-38100"/>
-              <a:ext cx="7719624" cy="550631"/>
+              <a:off x="948921" y="1360042"/>
+              <a:ext cx="5789718" cy="412973"/>
             </a:xfrm>
             <a:prstGeom prst="rect">
               <a:avLst/>
@@ -13367,8 +13258,8 @@
           </p:nvSpPr>
           <p:spPr>
             <a:xfrm>
-              <a:off x="884030" y="5352592"/>
-              <a:ext cx="9473151" cy="550660"/>
+              <a:off x="948921" y="5403061"/>
+              <a:ext cx="7104863" cy="412995"/>
             </a:xfrm>
             <a:prstGeom prst="rect">
               <a:avLst/>
@@ -13400,6 +13291,77 @@
             </a:p>
           </p:txBody>
         </p:sp>
+        <p:pic>
+          <p:nvPicPr>
+            <p:cNvPr id="12" name="Afbeelding 11" descr="Afbeelding met schermopname, lijn, ruimte, zwart&#10;&#10;Automatisch gegenereerde beschrijving">
+              <a:extLst>
+                <a:ext uri="{FF2B5EF4-FFF2-40B4-BE49-F238E27FC236}">
+                  <a16:creationId xmlns:a16="http://schemas.microsoft.com/office/drawing/2014/main" id="{0E1455E7-D5E9-6F31-1E31-B9EEC3808B71}"/>
+                </a:ext>
+              </a:extLst>
+            </p:cNvPr>
+            <p:cNvPicPr>
+              <a:picLocks noChangeAspect="1"/>
+            </p:cNvPicPr>
+            <p:nvPr/>
+          </p:nvPicPr>
+          <p:blipFill rotWithShape="1">
+            <a:blip r:embed="rId9">
+              <a:extLst>
+                <a:ext uri="{28A0092B-C50C-407E-A947-70E740481C1C}">
+                  <a14:useLocalDpi xmlns:a14="http://schemas.microsoft.com/office/drawing/2010/main" val="0"/>
+                </a:ext>
+              </a:extLst>
+            </a:blip>
+            <a:srcRect b="20471"/>
+            <a:stretch/>
+          </p:blipFill>
+          <p:spPr>
+            <a:xfrm>
+              <a:off x="288090" y="1783819"/>
+              <a:ext cx="10468504" cy="3619241"/>
+            </a:xfrm>
+            <a:prstGeom prst="rect">
+              <a:avLst/>
+            </a:prstGeom>
+          </p:spPr>
+        </p:pic>
+        <p:pic>
+          <p:nvPicPr>
+            <p:cNvPr id="14" name="Afbeelding 13" descr="Afbeelding met schermopname&#10;&#10;Automatisch gegenereerde beschrijving">
+              <a:extLst>
+                <a:ext uri="{FF2B5EF4-FFF2-40B4-BE49-F238E27FC236}">
+                  <a16:creationId xmlns:a16="http://schemas.microsoft.com/office/drawing/2014/main" id="{86523B39-597F-F6B6-35C6-03105F90ADF5}"/>
+                </a:ext>
+              </a:extLst>
+            </p:cNvPr>
+            <p:cNvPicPr>
+              <a:picLocks noChangeAspect="1"/>
+            </p:cNvPicPr>
+            <p:nvPr/>
+          </p:nvPicPr>
+          <p:blipFill>
+            <a:blip r:embed="rId10">
+              <a:extLst>
+                <a:ext uri="{28A0092B-C50C-407E-A947-70E740481C1C}">
+                  <a14:useLocalDpi xmlns:a14="http://schemas.microsoft.com/office/drawing/2010/main" val="0"/>
+                </a:ext>
+              </a:extLst>
+            </a:blip>
+            <a:stretch>
+              <a:fillRect/>
+            </a:stretch>
+          </p:blipFill>
+          <p:spPr>
+            <a:xfrm>
+              <a:off x="285899" y="5798262"/>
+              <a:ext cx="10468504" cy="4084485"/>
+            </a:xfrm>
+            <a:prstGeom prst="rect">
+              <a:avLst/>
+            </a:prstGeom>
+          </p:spPr>
+        </p:pic>
       </p:grpSp>
     </p:spTree>
   </p:cSld>
@@ -13410,7 +13372,7 @@
 </file>
 
 <file path=ppt/slides/slide6.xml><?xml version="1.0" encoding="utf-8"?>
-<p:sld xmlns:a="http://schemas.openxmlformats.org/drawingml/2006/main" xmlns:r="http://schemas.openxmlformats.org/officeDocument/2006/relationships" xmlns:p="http://schemas.openxmlformats.org/presentationml/2006/main">
+<p:sld xmlns:a="http://schemas.openxmlformats.org/drawingml/2006/main" xmlns:r="http://schemas.openxmlformats.org/officeDocument/2006/relationships" xmlns:p="http://schemas.openxmlformats.org/presentationml/2006/main" show="0">
   <p:cSld>
     <p:bg>
       <p:bgPr>

--- a/defensepresentation/MSc thesis defense Heleen Brüggen 6474292.pptx
+++ b/defensepresentation/MSc thesis defense Heleen Brüggen 6474292.pptx
@@ -5,7 +5,7 @@
     <p:sldMasterId id="2147483648" r:id="rId1"/>
   </p:sldMasterIdLst>
   <p:notesMasterIdLst>
-    <p:notesMasterId r:id="rId9"/>
+    <p:notesMasterId r:id="rId10"/>
   </p:notesMasterIdLst>
   <p:sldIdLst>
     <p:sldId id="256" r:id="rId2"/>
@@ -15,19 +15,20 @@
     <p:sldId id="259" r:id="rId6"/>
     <p:sldId id="260" r:id="rId7"/>
     <p:sldId id="263" r:id="rId8"/>
+    <p:sldId id="264" r:id="rId9"/>
   </p:sldIdLst>
   <p:sldSz cx="18288000" cy="10287000"/>
   <p:notesSz cx="6858000" cy="9144000"/>
   <p:embeddedFontLst>
     <p:embeddedFont>
       <p:font typeface="Loubag" panose="02020A03060303060403" pitchFamily="18" charset="77"/>
-      <p:regular r:id="rId10"/>
-      <p:bold r:id="rId11"/>
+      <p:regular r:id="rId11"/>
+      <p:bold r:id="rId12"/>
     </p:embeddedFont>
     <p:embeddedFont>
       <p:font typeface="Loubag Semi-Bold" panose="02020A03060303060403" pitchFamily="18" charset="77"/>
-      <p:regular r:id="rId10"/>
-      <p:bold r:id="rId10"/>
+      <p:regular r:id="rId11"/>
+      <p:bold r:id="rId11"/>
     </p:embeddedFont>
   </p:embeddedFontLst>
   <p:defaultTextStyle>
@@ -6513,8 +6514,8 @@
         </p:nvSpPr>
         <p:spPr>
           <a:xfrm>
-            <a:off x="2857500" y="512763"/>
-            <a:ext cx="3429000" cy="2566987"/>
+            <a:off x="2290763" y="512763"/>
+            <a:ext cx="4562475" cy="2566987"/>
           </a:xfrm>
           <a:prstGeom prst="rect">
             <a:avLst/>
@@ -6563,23 +6564,23 @@
             </a:r>
           </a:p>
           <a:p>
+            <a:pPr marL="171450" indent="-171450">
+              <a:buFontTx/>
+              <a:buChar char="-"/>
+            </a:pPr>
             <a:r>
               <a:rPr lang="en-US" dirty="0"/>
-              <a:t>- Multilevel MICE through BART </a:t>
+              <a:t>Multilevel MICE through BART </a:t>
             </a:r>
           </a:p>
           <a:p>
+            <a:pPr marL="171450" indent="-171450">
+              <a:buFontTx/>
+              <a:buChar char="-"/>
+            </a:pPr>
             <a:r>
               <a:rPr lang="en-US" dirty="0"/>
-              <a:t>- BART --&gt; non-</a:t>
-            </a:r>
-            <a:r>
-              <a:rPr lang="en-US" dirty="0" err="1"/>
-              <a:t>parametirc</a:t>
-            </a:r>
-            <a:r>
-              <a:rPr lang="en-US" dirty="0"/>
-              <a:t> sum-of-regression-trees model </a:t>
+              <a:t>Implemented BART model as imputation method within the MICE framework in a multilevel context.</a:t>
             </a:r>
           </a:p>
         </p:txBody>
@@ -7295,50 +7296,66 @@
           <a:lstStyle/>
           <a:p>
             <a:r>
-              <a:rPr lang="en-US"/>
+              <a:rPr lang="en-US" dirty="0"/>
               <a:t>Results</a:t>
             </a:r>
           </a:p>
           <a:p>
-            <a:endParaRPr lang="en-US"/>
+            <a:endParaRPr lang="en-US" dirty="0"/>
           </a:p>
           <a:p>
             <a:r>
-              <a:rPr lang="en-US"/>
+              <a:rPr lang="en-US" dirty="0"/>
               <a:t>- Only absolute bias</a:t>
             </a:r>
           </a:p>
           <a:p>
             <a:r>
-              <a:rPr lang="en-US"/>
-              <a:t>- stan4bart = multilevel bart model </a:t>
+              <a:rPr lang="en-US" dirty="0"/>
+              <a:t>- stan4bart = multilevel </a:t>
             </a:r>
-          </a:p>
-          <a:p>
             <a:r>
-              <a:rPr lang="en-US"/>
+              <a:rPr lang="en-US" dirty="0" err="1"/>
+              <a:t>bart</a:t>
+            </a:r>
+            <a:r>
+              <a:rPr lang="en-US" dirty="0"/>
+              <a:t> model </a:t>
+            </a:r>
+          </a:p>
+          <a:p>
+            <a:r>
+              <a:rPr lang="en-US" dirty="0"/>
               <a:t>- 2l.pmm is conventional multilevel imputation</a:t>
             </a:r>
           </a:p>
           <a:p>
             <a:r>
-              <a:rPr lang="en-US"/>
+              <a:rPr lang="en-US" dirty="0"/>
               <a:t>- </a:t>
             </a:r>
           </a:p>
           <a:p>
-            <a:endParaRPr lang="en-US"/>
+            <a:endParaRPr lang="en-US" dirty="0"/>
           </a:p>
           <a:p>
             <a:r>
-              <a:rPr lang="en-US"/>
+              <a:rPr lang="en-US" dirty="0"/>
               <a:t>stan4bart does not outperform 2l.pmm in terms of level-2 effects</a:t>
             </a:r>
           </a:p>
           <a:p>
             <a:r>
-              <a:rPr lang="en-US"/>
-              <a:t>--&gt; didn't contrain the imputation to be the same within group, thus estimating their variance incorrectly</a:t>
+              <a:rPr lang="en-US" dirty="0"/>
+              <a:t>--&gt; didn't </a:t>
+            </a:r>
+            <a:r>
+              <a:rPr lang="en-US" dirty="0" err="1"/>
+              <a:t>contrain</a:t>
+            </a:r>
+            <a:r>
+              <a:rPr lang="en-US" dirty="0"/>
+              <a:t> the imputation to be the same within group, thus estimating their variance incorrectly</a:t>
             </a:r>
           </a:p>
         </p:txBody>
@@ -7774,96 +7791,39 @@
           <a:p>
             <a:r>
               <a:rPr lang="en-US" dirty="0"/>
-              <a:t>data generating mechanism:</a:t>
+              <a:t>data generating mechanism </a:t>
             </a:r>
+            <a:r>
+              <a:rPr lang="en-US" dirty="0">
+                <a:sym typeface="Wingdings" pitchFamily="2" charset="2"/>
+              </a:rPr>
+              <a:t> linear mixed model</a:t>
+            </a:r>
+          </a:p>
+          <a:p>
+            <a:endParaRPr lang="en-US" dirty="0"/>
           </a:p>
           <a:p>
             <a:r>
               <a:rPr lang="en-US" dirty="0"/>
-              <a:t>- 7  level-1</a:t>
+              <a:t>simulation design </a:t>
             </a:r>
           </a:p>
           <a:p>
             <a:r>
               <a:rPr lang="en-US" dirty="0"/>
-              <a:t>- 2 level-2 </a:t>
+              <a:t>- Multiple imputations method (multilevel </a:t>
             </a:r>
+            <a:r>
+              <a:rPr lang="en-US"/>
+              <a:t>and single level)</a:t>
+            </a:r>
+            <a:endParaRPr lang="en-US" dirty="0"/>
           </a:p>
           <a:p>
             <a:r>
               <a:rPr lang="en-US" dirty="0"/>
-              <a:t>- cross-level interactions </a:t>
-            </a:r>
-          </a:p>
-          <a:p>
-            <a:r>
-              <a:rPr lang="en-US" dirty="0"/>
-              <a:t>- random intercept</a:t>
-            </a:r>
-          </a:p>
-          <a:p>
-            <a:r>
-              <a:rPr lang="en-US" dirty="0"/>
-              <a:t>- 3 random slopes </a:t>
-            </a:r>
-          </a:p>
-          <a:p>
-            <a:r>
-              <a:rPr lang="en-US" dirty="0"/>
-              <a:t>- residual variance </a:t>
-            </a:r>
-          </a:p>
-          <a:p>
-            <a:endParaRPr lang="en-US" dirty="0"/>
-          </a:p>
-          <a:p>
-            <a:r>
-              <a:rPr lang="en-US" dirty="0"/>
-              <a:t>simulation design:  </a:t>
-            </a:r>
-          </a:p>
-          <a:p>
-            <a:r>
-              <a:rPr lang="en-US" dirty="0"/>
-              <a:t>- 30/50 groups </a:t>
-            </a:r>
-          </a:p>
-          <a:p>
-            <a:r>
-              <a:rPr lang="en-US" dirty="0"/>
-              <a:t>- 15/50 </a:t>
-            </a:r>
-            <a:r>
-              <a:rPr lang="en-US" dirty="0" err="1"/>
-              <a:t>groupsize</a:t>
-            </a:r>
-            <a:r>
-              <a:rPr lang="en-US" dirty="0"/>
-              <a:t> </a:t>
-            </a:r>
-          </a:p>
-          <a:p>
-            <a:r>
-              <a:rPr lang="en-US" dirty="0"/>
-              <a:t>- 0% or 50% missing </a:t>
-            </a:r>
-          </a:p>
-          <a:p>
-            <a:r>
-              <a:rPr lang="en-US" dirty="0"/>
-              <a:t>- MCAR or MAR </a:t>
-            </a:r>
-          </a:p>
-          <a:p>
-            <a:r>
-              <a:rPr lang="en-US" dirty="0"/>
-              <a:t>- .5 ICC </a:t>
-            </a:r>
-          </a:p>
-          <a:p>
-            <a:r>
-              <a:rPr lang="en-US" dirty="0"/>
-              <a:t>- 100 data sets</a:t>
+              <a:t>- 100 data sets, sometimes even 20</a:t>
             </a:r>
           </a:p>
           <a:p>
@@ -8224,6 +8184,226 @@
     <p:extLst>
       <p:ext uri="{BB962C8B-B14F-4D97-AF65-F5344CB8AC3E}">
         <p14:creationId xmlns:p14="http://schemas.microsoft.com/office/powerpoint/2010/main" val="310287043"/>
+      </p:ext>
+    </p:extLst>
+  </p:cSld>
+  <p:clrMapOvr>
+    <a:masterClrMapping/>
+  </p:clrMapOvr>
+</p:notes>
+</file>
+
+<file path=ppt/notesSlides/notesSlide8.xml><?xml version="1.0" encoding="utf-8"?>
+<p:notes xmlns:a="http://schemas.openxmlformats.org/drawingml/2006/main" xmlns:r="http://schemas.openxmlformats.org/officeDocument/2006/relationships" xmlns:p="http://schemas.openxmlformats.org/presentationml/2006/main">
+  <p:cSld>
+    <p:spTree>
+      <p:nvGrpSpPr>
+        <p:cNvPr id="1" name=""/>
+        <p:cNvGrpSpPr/>
+        <p:nvPr/>
+      </p:nvGrpSpPr>
+      <p:grpSpPr>
+        <a:xfrm>
+          <a:off x="0" y="0"/>
+          <a:ext cx="0" cy="0"/>
+          <a:chOff x="0" y="0"/>
+          <a:chExt cx="0" cy="0"/>
+        </a:xfrm>
+      </p:grpSpPr>
+      <p:sp>
+        <p:nvSpPr>
+          <p:cNvPr id="2" name="Header Placeholder 1"/>
+          <p:cNvSpPr>
+            <a:spLocks noGrp="1"/>
+          </p:cNvSpPr>
+          <p:nvPr>
+            <p:ph type="hdr" sz="quarter"/>
+          </p:nvPr>
+        </p:nvSpPr>
+        <p:spPr>
+          <a:xfrm>
+            <a:off x="0" y="0"/>
+            <a:ext cx="3962400" cy="342900"/>
+          </a:xfrm>
+          <a:prstGeom prst="rect">
+            <a:avLst/>
+          </a:prstGeom>
+        </p:spPr>
+        <p:txBody>
+          <a:bodyPr vert="horz" lIns="91440" tIns="45720" rIns="91440" bIns="45720" rtlCol="0"/>
+          <a:lstStyle>
+            <a:lvl1pPr algn="l">
+              <a:defRPr sz="1200"/>
+            </a:lvl1pPr>
+          </a:lstStyle>
+          <a:p>
+            <a:endParaRPr/>
+          </a:p>
+        </p:txBody>
+      </p:sp>
+      <p:sp>
+        <p:nvSpPr>
+          <p:cNvPr id="3" name="Date Placeholder 2"/>
+          <p:cNvSpPr>
+            <a:spLocks noGrp="1"/>
+          </p:cNvSpPr>
+          <p:nvPr>
+            <p:ph type="dt" idx="1"/>
+          </p:nvPr>
+        </p:nvSpPr>
+        <p:spPr>
+          <a:xfrm>
+            <a:off x="5180013" y="0"/>
+            <a:ext cx="3962400" cy="342900"/>
+          </a:xfrm>
+          <a:prstGeom prst="rect">
+            <a:avLst/>
+          </a:prstGeom>
+        </p:spPr>
+        <p:txBody>
+          <a:bodyPr vert="horz" lIns="91440" tIns="45720" rIns="91440" bIns="45720" rtlCol="0"/>
+          <a:lstStyle>
+            <a:lvl1pPr algn="r">
+              <a:defRPr sz="1200"/>
+            </a:lvl1pPr>
+          </a:lstStyle>
+          <a:p>
+            <a:r>
+              <a:rPr lang="cs-CZ"/>
+              <a:t>1.7.2013</a:t>
+            </a:r>
+          </a:p>
+        </p:txBody>
+      </p:sp>
+      <p:sp>
+        <p:nvSpPr>
+          <p:cNvPr id="4" name="Slide Image Placeholder 3"/>
+          <p:cNvSpPr>
+            <a:spLocks noGrp="1" noRot="1" noChangeAspect="1"/>
+          </p:cNvSpPr>
+          <p:nvPr>
+            <p:ph type="sldImg" idx="2"/>
+          </p:nvPr>
+        </p:nvSpPr>
+        <p:spPr>
+          <a:xfrm>
+            <a:off x="2290763" y="512763"/>
+            <a:ext cx="4562475" cy="2566987"/>
+          </a:xfrm>
+          <a:prstGeom prst="rect">
+            <a:avLst/>
+          </a:prstGeom>
+          <a:noFill/>
+          <a:ln w="12700">
+            <a:solidFill>
+              <a:prstClr val="black"/>
+            </a:solidFill>
+          </a:ln>
+        </p:spPr>
+        <p:txBody>
+          <a:bodyPr vert="horz" lIns="91440" tIns="45720" rIns="91440" bIns="45720" rtlCol="0" anchor="ctr"/>
+          <a:lstStyle/>
+          <a:p>
+            <a:endParaRPr/>
+          </a:p>
+        </p:txBody>
+      </p:sp>
+      <p:sp>
+        <p:nvSpPr>
+          <p:cNvPr id="5" name="Notes Placeholder 4"/>
+          <p:cNvSpPr>
+            <a:spLocks noGrp="1"/>
+          </p:cNvSpPr>
+          <p:nvPr>
+            <p:ph type="body" sz="quarter" idx="3"/>
+          </p:nvPr>
+        </p:nvSpPr>
+        <p:spPr>
+          <a:xfrm>
+            <a:off x="914400" y="3251200"/>
+            <a:ext cx="7315200" cy="3081338"/>
+          </a:xfrm>
+          <a:prstGeom prst="rect">
+            <a:avLst/>
+          </a:prstGeom>
+        </p:spPr>
+        <p:txBody>
+          <a:bodyPr vert="horz" lIns="91440" tIns="45720" rIns="91440" bIns="45720" rtlCol="0"/>
+          <a:lstStyle/>
+          <a:p>
+            <a:endParaRPr lang="en-US" dirty="0"/>
+          </a:p>
+        </p:txBody>
+      </p:sp>
+      <p:sp>
+        <p:nvSpPr>
+          <p:cNvPr id="6" name="Footer Placeholder 5"/>
+          <p:cNvSpPr>
+            <a:spLocks noGrp="1"/>
+          </p:cNvSpPr>
+          <p:nvPr>
+            <p:ph type="ftr" sz="quarter" idx="4"/>
+          </p:nvPr>
+        </p:nvSpPr>
+        <p:spPr>
+          <a:xfrm>
+            <a:off x="0" y="6502400"/>
+            <a:ext cx="3962400" cy="341313"/>
+          </a:xfrm>
+          <a:prstGeom prst="rect">
+            <a:avLst/>
+          </a:prstGeom>
+        </p:spPr>
+        <p:txBody>
+          <a:bodyPr vert="horz" lIns="91440" tIns="45720" rIns="91440" bIns="45720" rtlCol="0" anchor="b"/>
+          <a:lstStyle>
+            <a:lvl1pPr algn="l">
+              <a:defRPr sz="1200"/>
+            </a:lvl1pPr>
+          </a:lstStyle>
+          <a:p>
+            <a:endParaRPr/>
+          </a:p>
+        </p:txBody>
+      </p:sp>
+      <p:sp>
+        <p:nvSpPr>
+          <p:cNvPr id="7" name="Slide Number Placeholder 6"/>
+          <p:cNvSpPr>
+            <a:spLocks noGrp="1"/>
+          </p:cNvSpPr>
+          <p:nvPr>
+            <p:ph type="sldNum" sz="quarter" idx="5"/>
+          </p:nvPr>
+        </p:nvSpPr>
+        <p:spPr>
+          <a:xfrm>
+            <a:off x="5180013" y="6502400"/>
+            <a:ext cx="3962400" cy="341313"/>
+          </a:xfrm>
+          <a:prstGeom prst="rect">
+            <a:avLst/>
+          </a:prstGeom>
+        </p:spPr>
+        <p:txBody>
+          <a:bodyPr vert="horz" lIns="91440" tIns="45720" rIns="91440" bIns="45720" rtlCol="0" anchor="b"/>
+          <a:lstStyle>
+            <a:lvl1pPr algn="r">
+              <a:defRPr sz="1200"/>
+            </a:lvl1pPr>
+          </a:lstStyle>
+          <a:p>
+            <a:r>
+              <a:rPr lang="cs-CZ"/>
+              <a:t>‹#›</a:t>
+            </a:r>
+          </a:p>
+        </p:txBody>
+      </p:sp>
+    </p:spTree>
+    <p:extLst>
+      <p:ext uri="{BB962C8B-B14F-4D97-AF65-F5344CB8AC3E}">
+        <p14:creationId xmlns:p14="http://schemas.microsoft.com/office/powerpoint/2010/main" val="1688614980"/>
       </p:ext>
     </p:extLst>
   </p:cSld>
@@ -11648,14 +11828,38 @@
               </a:lnSpc>
             </a:pPr>
             <a:r>
-              <a:rPr lang="en-US" sz="4472">
+              <a:rPr lang="en-US" sz="4472" dirty="0" err="1">
                 <a:solidFill>
                   <a:srgbClr val="000000"/>
                 </a:solidFill>
                 <a:latin typeface="Loubag"/>
               </a:rPr>
-              <a:t>Heleen Brüggen</a:t>
+              <a:t>Heleen</a:t>
             </a:r>
+            <a:r>
+              <a:rPr lang="en-US" sz="4472" dirty="0">
+                <a:solidFill>
+                  <a:srgbClr val="000000"/>
+                </a:solidFill>
+                <a:latin typeface="Loubag"/>
+              </a:rPr>
+              <a:t> </a:t>
+            </a:r>
+            <a:r>
+              <a:rPr lang="en-US" sz="4472" dirty="0" err="1">
+                <a:solidFill>
+                  <a:srgbClr val="000000"/>
+                </a:solidFill>
+                <a:latin typeface="Loubag"/>
+              </a:rPr>
+              <a:t>Brüggen</a:t>
+            </a:r>
+            <a:endParaRPr lang="en-US" sz="4472" dirty="0">
+              <a:solidFill>
+                <a:srgbClr val="000000"/>
+              </a:solidFill>
+              <a:latin typeface="Loubag"/>
+            </a:endParaRPr>
           </a:p>
           <a:p>
             <a:pPr algn="ctr">
@@ -11667,7 +11871,7 @@
               </a:spcBef>
             </a:pPr>
             <a:r>
-              <a:rPr lang="en-US" sz="2672">
+              <a:rPr lang="en-US" sz="2672" dirty="0" err="1">
                 <a:solidFill>
                   <a:srgbClr val="000000"/>
                 </a:solidFill>
@@ -11675,6 +11879,12 @@
               </a:rPr>
               <a:t>h.bruggen@students.uu.nl</a:t>
             </a:r>
+            <a:endParaRPr lang="en-US" sz="2672" dirty="0">
+              <a:solidFill>
+                <a:srgbClr val="000000"/>
+              </a:solidFill>
+              <a:latin typeface="Loubag"/>
+            </a:endParaRPr>
           </a:p>
         </p:txBody>
       </p:sp>
@@ -13372,7 +13582,7 @@
 </file>
 
 <file path=ppt/slides/slide6.xml><?xml version="1.0" encoding="utf-8"?>
-<p:sld xmlns:a="http://schemas.openxmlformats.org/drawingml/2006/main" xmlns:r="http://schemas.openxmlformats.org/officeDocument/2006/relationships" xmlns:p="http://schemas.openxmlformats.org/presentationml/2006/main" show="0">
+<p:sld xmlns:a="http://schemas.openxmlformats.org/drawingml/2006/main" xmlns:r="http://schemas.openxmlformats.org/officeDocument/2006/relationships" xmlns:p="http://schemas.openxmlformats.org/presentationml/2006/main">
   <p:cSld>
     <p:bg>
       <p:bgPr>
@@ -14657,6 +14867,442 @@
 </p:sld>
 </file>
 
+<file path=ppt/slides/slide8.xml><?xml version="1.0" encoding="utf-8"?>
+<p:sld xmlns:a="http://schemas.openxmlformats.org/drawingml/2006/main" xmlns:r="http://schemas.openxmlformats.org/officeDocument/2006/relationships" xmlns:p="http://schemas.openxmlformats.org/presentationml/2006/main">
+  <p:cSld>
+    <p:bg>
+      <p:bgPr>
+        <a:solidFill>
+          <a:srgbClr val="FFF5EE"/>
+        </a:solidFill>
+        <a:effectLst/>
+      </p:bgPr>
+    </p:bg>
+    <p:spTree>
+      <p:nvGrpSpPr>
+        <p:cNvPr id="1" name=""/>
+        <p:cNvGrpSpPr/>
+        <p:nvPr/>
+      </p:nvGrpSpPr>
+      <p:grpSpPr>
+        <a:xfrm>
+          <a:off x="0" y="0"/>
+          <a:ext cx="0" cy="0"/>
+          <a:chOff x="0" y="0"/>
+          <a:chExt cx="0" cy="0"/>
+        </a:xfrm>
+      </p:grpSpPr>
+      <p:sp>
+        <p:nvSpPr>
+          <p:cNvPr id="2" name="Freeform 2"/>
+          <p:cNvSpPr/>
+          <p:nvPr/>
+        </p:nvSpPr>
+        <p:spPr>
+          <a:xfrm>
+            <a:off x="-3777543" y="4169858"/>
+            <a:ext cx="12639279" cy="9102218"/>
+          </a:xfrm>
+          <a:custGeom>
+            <a:avLst/>
+            <a:gdLst/>
+            <a:ahLst/>
+            <a:cxnLst/>
+            <a:rect l="l" t="t" r="r" b="b"/>
+            <a:pathLst>
+              <a:path w="12639279" h="9102218">
+                <a:moveTo>
+                  <a:pt x="0" y="0"/>
+                </a:moveTo>
+                <a:lnTo>
+                  <a:pt x="12639280" y="0"/>
+                </a:lnTo>
+                <a:lnTo>
+                  <a:pt x="12639280" y="9102218"/>
+                </a:lnTo>
+                <a:lnTo>
+                  <a:pt x="0" y="9102218"/>
+                </a:lnTo>
+                <a:lnTo>
+                  <a:pt x="0" y="0"/>
+                </a:lnTo>
+                <a:close/>
+              </a:path>
+            </a:pathLst>
+          </a:custGeom>
+          <a:blipFill>
+            <a:blip r:embed="rId3">
+              <a:extLst>
+                <a:ext uri="{96DAC541-7B7A-43D3-8B79-37D633B846F1}">
+                  <asvg:svgBlip xmlns:asvg="http://schemas.microsoft.com/office/drawing/2016/SVG/main" r:embed="rId4"/>
+                </a:ext>
+              </a:extLst>
+            </a:blip>
+            <a:stretch>
+              <a:fillRect t="-23963"/>
+            </a:stretch>
+          </a:blipFill>
+        </p:spPr>
+        <p:txBody>
+          <a:bodyPr/>
+          <a:lstStyle/>
+          <a:p>
+            <a:endParaRPr lang="nl-NL"/>
+          </a:p>
+        </p:txBody>
+      </p:sp>
+      <p:sp>
+        <p:nvSpPr>
+          <p:cNvPr id="3" name="Freeform 3"/>
+          <p:cNvSpPr/>
+          <p:nvPr/>
+        </p:nvSpPr>
+        <p:spPr>
+          <a:xfrm rot="-341241">
+            <a:off x="-5393544" y="3137648"/>
+            <a:ext cx="12593372" cy="9679254"/>
+          </a:xfrm>
+          <a:custGeom>
+            <a:avLst/>
+            <a:gdLst/>
+            <a:ahLst/>
+            <a:cxnLst/>
+            <a:rect l="l" t="t" r="r" b="b"/>
+            <a:pathLst>
+              <a:path w="12593372" h="9679254">
+                <a:moveTo>
+                  <a:pt x="0" y="0"/>
+                </a:moveTo>
+                <a:lnTo>
+                  <a:pt x="12593372" y="0"/>
+                </a:lnTo>
+                <a:lnTo>
+                  <a:pt x="12593372" y="9679253"/>
+                </a:lnTo>
+                <a:lnTo>
+                  <a:pt x="0" y="9679253"/>
+                </a:lnTo>
+                <a:lnTo>
+                  <a:pt x="0" y="0"/>
+                </a:lnTo>
+                <a:close/>
+              </a:path>
+            </a:pathLst>
+          </a:custGeom>
+          <a:blipFill>
+            <a:blip r:embed="rId5">
+              <a:extLst>
+                <a:ext uri="{96DAC541-7B7A-43D3-8B79-37D633B846F1}">
+                  <asvg:svgBlip xmlns:asvg="http://schemas.microsoft.com/office/drawing/2016/SVG/main" r:embed="rId6"/>
+                </a:ext>
+              </a:extLst>
+            </a:blip>
+            <a:stretch>
+              <a:fillRect t="-16573" r="-364"/>
+            </a:stretch>
+          </a:blipFill>
+        </p:spPr>
+        <p:txBody>
+          <a:bodyPr/>
+          <a:lstStyle/>
+          <a:p>
+            <a:endParaRPr lang="nl-NL"/>
+          </a:p>
+        </p:txBody>
+      </p:sp>
+      <p:sp>
+        <p:nvSpPr>
+          <p:cNvPr id="4" name="Freeform 4"/>
+          <p:cNvSpPr/>
+          <p:nvPr/>
+        </p:nvSpPr>
+        <p:spPr>
+          <a:xfrm rot="588337">
+            <a:off x="-6158083" y="4829611"/>
+            <a:ext cx="12184710" cy="8634511"/>
+          </a:xfrm>
+          <a:custGeom>
+            <a:avLst/>
+            <a:gdLst/>
+            <a:ahLst/>
+            <a:cxnLst/>
+            <a:rect l="l" t="t" r="r" b="b"/>
+            <a:pathLst>
+              <a:path w="12184710" h="8634511">
+                <a:moveTo>
+                  <a:pt x="0" y="0"/>
+                </a:moveTo>
+                <a:lnTo>
+                  <a:pt x="12184710" y="0"/>
+                </a:lnTo>
+                <a:lnTo>
+                  <a:pt x="12184710" y="8634511"/>
+                </a:lnTo>
+                <a:lnTo>
+                  <a:pt x="0" y="8634511"/>
+                </a:lnTo>
+                <a:lnTo>
+                  <a:pt x="0" y="0"/>
+                </a:lnTo>
+                <a:close/>
+              </a:path>
+            </a:pathLst>
+          </a:custGeom>
+          <a:blipFill>
+            <a:blip r:embed="rId7">
+              <a:extLst>
+                <a:ext uri="{96DAC541-7B7A-43D3-8B79-37D633B846F1}">
+                  <asvg:svgBlip xmlns:asvg="http://schemas.microsoft.com/office/drawing/2016/SVG/main" r:embed="rId8"/>
+                </a:ext>
+              </a:extLst>
+            </a:blip>
+            <a:stretch>
+              <a:fillRect t="-30678" r="-3730"/>
+            </a:stretch>
+          </a:blipFill>
+        </p:spPr>
+        <p:txBody>
+          <a:bodyPr/>
+          <a:lstStyle/>
+          <a:p>
+            <a:endParaRPr lang="nl-NL"/>
+          </a:p>
+        </p:txBody>
+      </p:sp>
+      <p:sp>
+        <p:nvSpPr>
+          <p:cNvPr id="5" name="Freeform 5"/>
+          <p:cNvSpPr/>
+          <p:nvPr/>
+        </p:nvSpPr>
+        <p:spPr>
+          <a:xfrm rot="10711948">
+            <a:off x="9416629" y="-3351043"/>
+            <a:ext cx="12639279" cy="11283429"/>
+          </a:xfrm>
+          <a:custGeom>
+            <a:avLst/>
+            <a:gdLst/>
+            <a:ahLst/>
+            <a:cxnLst/>
+            <a:rect l="l" t="t" r="r" b="b"/>
+            <a:pathLst>
+              <a:path w="12639279" h="11283429">
+                <a:moveTo>
+                  <a:pt x="0" y="0"/>
+                </a:moveTo>
+                <a:lnTo>
+                  <a:pt x="12639280" y="0"/>
+                </a:lnTo>
+                <a:lnTo>
+                  <a:pt x="12639280" y="11283429"/>
+                </a:lnTo>
+                <a:lnTo>
+                  <a:pt x="0" y="11283429"/>
+                </a:lnTo>
+                <a:lnTo>
+                  <a:pt x="0" y="0"/>
+                </a:lnTo>
+                <a:close/>
+              </a:path>
+            </a:pathLst>
+          </a:custGeom>
+          <a:blipFill>
+            <a:blip r:embed="rId3">
+              <a:extLst>
+                <a:ext uri="{96DAC541-7B7A-43D3-8B79-37D633B846F1}">
+                  <asvg:svgBlip xmlns:asvg="http://schemas.microsoft.com/office/drawing/2016/SVG/main" r:embed="rId4"/>
+                </a:ext>
+              </a:extLst>
+            </a:blip>
+            <a:stretch>
+              <a:fillRect/>
+            </a:stretch>
+          </a:blipFill>
+        </p:spPr>
+        <p:txBody>
+          <a:bodyPr/>
+          <a:lstStyle/>
+          <a:p>
+            <a:endParaRPr lang="nl-NL"/>
+          </a:p>
+        </p:txBody>
+      </p:sp>
+      <p:sp>
+        <p:nvSpPr>
+          <p:cNvPr id="6" name="Freeform 6"/>
+          <p:cNvSpPr/>
+          <p:nvPr/>
+        </p:nvSpPr>
+        <p:spPr>
+          <a:xfrm rot="10711948">
+            <a:off x="8885282" y="-4094736"/>
+            <a:ext cx="12639279" cy="11283429"/>
+          </a:xfrm>
+          <a:custGeom>
+            <a:avLst/>
+            <a:gdLst/>
+            <a:ahLst/>
+            <a:cxnLst/>
+            <a:rect l="l" t="t" r="r" b="b"/>
+            <a:pathLst>
+              <a:path w="12639279" h="11283429">
+                <a:moveTo>
+                  <a:pt x="0" y="0"/>
+                </a:moveTo>
+                <a:lnTo>
+                  <a:pt x="12639279" y="0"/>
+                </a:lnTo>
+                <a:lnTo>
+                  <a:pt x="12639279" y="11283429"/>
+                </a:lnTo>
+                <a:lnTo>
+                  <a:pt x="0" y="11283429"/>
+                </a:lnTo>
+                <a:lnTo>
+                  <a:pt x="0" y="0"/>
+                </a:lnTo>
+                <a:close/>
+              </a:path>
+            </a:pathLst>
+          </a:custGeom>
+          <a:blipFill>
+            <a:blip r:embed="rId5">
+              <a:extLst>
+                <a:ext uri="{96DAC541-7B7A-43D3-8B79-37D633B846F1}">
+                  <asvg:svgBlip xmlns:asvg="http://schemas.microsoft.com/office/drawing/2016/SVG/main" r:embed="rId6"/>
+                </a:ext>
+              </a:extLst>
+            </a:blip>
+            <a:stretch>
+              <a:fillRect/>
+            </a:stretch>
+          </a:blipFill>
+        </p:spPr>
+        <p:txBody>
+          <a:bodyPr/>
+          <a:lstStyle/>
+          <a:p>
+            <a:endParaRPr lang="nl-NL"/>
+          </a:p>
+        </p:txBody>
+      </p:sp>
+      <p:sp>
+        <p:nvSpPr>
+          <p:cNvPr id="7" name="Freeform 7"/>
+          <p:cNvSpPr/>
+          <p:nvPr/>
+        </p:nvSpPr>
+        <p:spPr>
+          <a:xfrm rot="10711948">
+            <a:off x="9797904" y="-4118116"/>
+            <a:ext cx="12639279" cy="11283429"/>
+          </a:xfrm>
+          <a:custGeom>
+            <a:avLst/>
+            <a:gdLst/>
+            <a:ahLst/>
+            <a:cxnLst/>
+            <a:rect l="l" t="t" r="r" b="b"/>
+            <a:pathLst>
+              <a:path w="12639279" h="11283429">
+                <a:moveTo>
+                  <a:pt x="0" y="0"/>
+                </a:moveTo>
+                <a:lnTo>
+                  <a:pt x="12639279" y="0"/>
+                </a:lnTo>
+                <a:lnTo>
+                  <a:pt x="12639279" y="11283429"/>
+                </a:lnTo>
+                <a:lnTo>
+                  <a:pt x="0" y="11283429"/>
+                </a:lnTo>
+                <a:lnTo>
+                  <a:pt x="0" y="0"/>
+                </a:lnTo>
+                <a:close/>
+              </a:path>
+            </a:pathLst>
+          </a:custGeom>
+          <a:blipFill>
+            <a:blip r:embed="rId7">
+              <a:extLst>
+                <a:ext uri="{96DAC541-7B7A-43D3-8B79-37D633B846F1}">
+                  <asvg:svgBlip xmlns:asvg="http://schemas.microsoft.com/office/drawing/2016/SVG/main" r:embed="rId8"/>
+                </a:ext>
+              </a:extLst>
+            </a:blip>
+            <a:stretch>
+              <a:fillRect/>
+            </a:stretch>
+          </a:blipFill>
+        </p:spPr>
+        <p:txBody>
+          <a:bodyPr/>
+          <a:lstStyle/>
+          <a:p>
+            <a:endParaRPr lang="nl-NL"/>
+          </a:p>
+        </p:txBody>
+      </p:sp>
+      <p:sp>
+        <p:nvSpPr>
+          <p:cNvPr id="13" name="TextBox 10">
+            <a:extLst>
+              <a:ext uri="{FF2B5EF4-FFF2-40B4-BE49-F238E27FC236}">
+                <a16:creationId xmlns:a16="http://schemas.microsoft.com/office/drawing/2014/main" id="{6591D225-8AEF-6BF1-D280-99A0DD9471DC}"/>
+              </a:ext>
+            </a:extLst>
+          </p:cNvPr>
+          <p:cNvSpPr txBox="1"/>
+          <p:nvPr/>
+        </p:nvSpPr>
+        <p:spPr>
+          <a:xfrm>
+            <a:off x="3247287" y="4757112"/>
+            <a:ext cx="11793426" cy="964046"/>
+          </a:xfrm>
+          <a:prstGeom prst="rect">
+            <a:avLst/>
+          </a:prstGeom>
+        </p:spPr>
+        <p:txBody>
+          <a:bodyPr lIns="0" tIns="0" rIns="0" bIns="0" rtlCol="0" anchor="t">
+            <a:spAutoFit/>
+          </a:bodyPr>
+          <a:lstStyle/>
+          <a:p>
+            <a:pPr algn="ctr">
+              <a:lnSpc>
+                <a:spcPts val="6261"/>
+              </a:lnSpc>
+            </a:pPr>
+            <a:r>
+              <a:rPr lang="en-US" sz="9600" dirty="0">
+                <a:solidFill>
+                  <a:srgbClr val="000000"/>
+                </a:solidFill>
+                <a:latin typeface="Loubag"/>
+              </a:rPr>
+              <a:t>Thank you!</a:t>
+            </a:r>
+          </a:p>
+        </p:txBody>
+      </p:sp>
+    </p:spTree>
+    <p:extLst>
+      <p:ext uri="{BB962C8B-B14F-4D97-AF65-F5344CB8AC3E}">
+        <p14:creationId xmlns:p14="http://schemas.microsoft.com/office/powerpoint/2010/main" val="2176026467"/>
+      </p:ext>
+    </p:extLst>
+  </p:cSld>
+  <p:clrMapOvr>
+    <a:masterClrMapping/>
+  </p:clrMapOvr>
+</p:sld>
+</file>
+
 <file path=ppt/theme/theme1.xml><?xml version="1.0" encoding="utf-8"?>
 <a:theme xmlns:a="http://schemas.openxmlformats.org/drawingml/2006/main" name="Office Theme">
   <a:themeElements>

--- a/defensepresentation/MSc thesis defense Heleen Brüggen 6474292.pptx
+++ b/defensepresentation/MSc thesis defense Heleen Brüggen 6474292.pptx
@@ -7326,13 +7326,7 @@
           <a:p>
             <a:r>
               <a:rPr lang="en-US" dirty="0"/>
-              <a:t>- 2l.pmm is conventional multilevel imputation</a:t>
-            </a:r>
-          </a:p>
-          <a:p>
-            <a:r>
-              <a:rPr lang="en-US" dirty="0"/>
-              <a:t>- </a:t>
+              <a:t>- 2l.pmm = conventional multilevel imputation</a:t>
             </a:r>
           </a:p>
           <a:p>
@@ -7347,15 +7341,7 @@
           <a:p>
             <a:r>
               <a:rPr lang="en-US" dirty="0"/>
-              <a:t>--&gt; didn't </a:t>
-            </a:r>
-            <a:r>
-              <a:rPr lang="en-US" dirty="0" err="1"/>
-              <a:t>contrain</a:t>
-            </a:r>
-            <a:r>
-              <a:rPr lang="en-US" dirty="0"/>
-              <a:t> the imputation to be the same within group, thus estimating their variance incorrectly</a:t>
+              <a:t>--&gt; didn't constrain the imputation to be the same within group, thus estimating their variance incorrectly</a:t>
             </a:r>
           </a:p>
         </p:txBody>
@@ -7806,19 +7792,14 @@
           <a:p>
             <a:r>
               <a:rPr lang="en-US" dirty="0"/>
-              <a:t>simulation design </a:t>
+              <a:t>simulation design: </a:t>
             </a:r>
           </a:p>
           <a:p>
             <a:r>
               <a:rPr lang="en-US" dirty="0"/>
-              <a:t>- Multiple imputations method (multilevel </a:t>
+              <a:t>- Several imputation methods (multilevel and single level)</a:t>
             </a:r>
-            <a:r>
-              <a:rPr lang="en-US"/>
-              <a:t>and single level)</a:t>
-            </a:r>
-            <a:endParaRPr lang="en-US" dirty="0"/>
           </a:p>
           <a:p>
             <a:r>
